--- a/präsentation D block.pptx
+++ b/präsentation D block.pptx
@@ -4116,11 +4116,15 @@
             </a:r>
             <a:r>
               <a:rPr lang="de-DE" dirty="0" err="1"/>
-              <a:t>never</a:t>
-            </a:r>
-            <a:r>
-              <a:rPr lang="de-DE" dirty="0"/>
-              <a:t> a </a:t>
+              <a:t>usually</a:t>
+            </a:r>
+            <a:r>
+              <a:rPr lang="de-DE" dirty="0"/>
+              <a:t> </a:t>
+            </a:r>
+            <a:r>
+              <a:rPr lang="de-DE"/>
+              <a:t>no </a:t>
             </a:r>
             <a:r>
               <a:rPr lang="de-DE" dirty="0" err="1"/>
@@ -5380,7 +5384,7 @@
         <p:spPr/>
         <p:txBody>
           <a:bodyPr>
-            <a:normAutofit/>
+            <a:normAutofit lnSpcReduction="10000"/>
           </a:bodyPr>
           <a:lstStyle/>
           <a:p>
@@ -5453,8 +5457,29 @@
             </a:r>
             <a:r>
               <a:rPr lang="de-DE" dirty="0"/>
-              <a:t> tangible</a:t>
-            </a:r>
+              <a:t> tangible and </a:t>
+            </a:r>
+            <a:r>
+              <a:rPr lang="de-DE" dirty="0" err="1"/>
+              <a:t>more</a:t>
+            </a:r>
+            <a:r>
+              <a:rPr lang="de-DE" dirty="0"/>
+              <a:t> easy </a:t>
+            </a:r>
+            <a:r>
+              <a:rPr lang="de-DE" dirty="0" err="1"/>
+              <a:t>to</a:t>
+            </a:r>
+            <a:r>
+              <a:rPr lang="de-DE" dirty="0"/>
+              <a:t> </a:t>
+            </a:r>
+            <a:r>
+              <a:rPr lang="de-DE" dirty="0" err="1"/>
+              <a:t>read</a:t>
+            </a:r>
+            <a:endParaRPr lang="de-DE" dirty="0"/>
           </a:p>
           <a:p>
             <a:pPr lvl="1"/>
@@ -5704,7 +5729,15 @@
             </a:r>
             <a:r>
               <a:rPr lang="de-DE" dirty="0"/>
-              <a:t>“ </a:t>
+              <a:t>“ (a </a:t>
+            </a:r>
+            <a:r>
+              <a:rPr lang="de-DE" dirty="0" err="1"/>
+              <a:t>simplification</a:t>
+            </a:r>
+            <a:r>
+              <a:rPr lang="de-DE" dirty="0"/>
+              <a:t>) </a:t>
             </a:r>
             <a:r>
               <a:rPr lang="de-DE" dirty="0" err="1"/>
